--- a/project.pptx
+++ b/project.pptx
@@ -9,7 +9,14 @@
     <p:sldId id="257" r:id="rId3"/>
     <p:sldId id="258" r:id="rId4"/>
     <p:sldId id="259" r:id="rId5"/>
-    <p:sldId id="260" r:id="rId6"/>
+    <p:sldId id="266" r:id="rId6"/>
+    <p:sldId id="267" r:id="rId7"/>
+    <p:sldId id="261" r:id="rId8"/>
+    <p:sldId id="262" r:id="rId9"/>
+    <p:sldId id="263" r:id="rId10"/>
+    <p:sldId id="264" r:id="rId11"/>
+    <p:sldId id="265" r:id="rId12"/>
+    <p:sldId id="260" r:id="rId13"/>
   </p:sldIdLst>
   <p:sldSz cx="12192000" cy="6858000"/>
   <p:notesSz cx="6858000" cy="9144000"/>
@@ -108,6 +115,11 @@
       </a:defRPr>
     </a:lvl9pPr>
   </p:defaultTextStyle>
+  <p:extLst>
+    <p:ext uri="{EFAFB233-063F-42B5-8137-9DF3F51BA10A}">
+      <p15:sldGuideLst xmlns:p15="http://schemas.microsoft.com/office/powerpoint/2012/main"/>
+    </p:ext>
+  </p:extLst>
 </p:presentation>
 </file>
 
@@ -281,7 +293,7 @@
           <a:p>
             <a:fld id="{848EBE76-AFC5-4753-BCE5-03D4F0DE2F73}" type="datetimeFigureOut">
               <a:rPr lang="en-GB" smtClean="0"/>
-              <a:t>24/10/2017</a:t>
+              <a:t>31/10/2017</a:t>
             </a:fld>
             <a:endParaRPr lang="en-GB"/>
           </a:p>
@@ -553,7 +565,7 @@
           <a:p>
             <a:fld id="{848EBE76-AFC5-4753-BCE5-03D4F0DE2F73}" type="datetimeFigureOut">
               <a:rPr lang="en-GB" smtClean="0"/>
-              <a:t>24/10/2017</a:t>
+              <a:t>31/10/2017</a:t>
             </a:fld>
             <a:endParaRPr lang="en-GB"/>
           </a:p>
@@ -784,7 +796,7 @@
           <a:p>
             <a:fld id="{848EBE76-AFC5-4753-BCE5-03D4F0DE2F73}" type="datetimeFigureOut">
               <a:rPr lang="en-GB" smtClean="0"/>
-              <a:t>24/10/2017</a:t>
+              <a:t>31/10/2017</a:t>
             </a:fld>
             <a:endParaRPr lang="en-GB"/>
           </a:p>
@@ -1094,7 +1106,7 @@
           <a:p>
             <a:fld id="{848EBE76-AFC5-4753-BCE5-03D4F0DE2F73}" type="datetimeFigureOut">
               <a:rPr lang="en-GB" smtClean="0"/>
-              <a:t>24/10/2017</a:t>
+              <a:t>31/10/2017</a:t>
             </a:fld>
             <a:endParaRPr lang="en-GB"/>
           </a:p>
@@ -1567,7 +1579,7 @@
           <a:p>
             <a:fld id="{848EBE76-AFC5-4753-BCE5-03D4F0DE2F73}" type="datetimeFigureOut">
               <a:rPr lang="en-GB" smtClean="0"/>
-              <a:t>24/10/2017</a:t>
+              <a:t>31/10/2017</a:t>
             </a:fld>
             <a:endParaRPr lang="en-GB"/>
           </a:p>
@@ -2114,7 +2126,7 @@
           <a:p>
             <a:fld id="{848EBE76-AFC5-4753-BCE5-03D4F0DE2F73}" type="datetimeFigureOut">
               <a:rPr lang="en-GB" smtClean="0"/>
-              <a:t>24/10/2017</a:t>
+              <a:t>31/10/2017</a:t>
             </a:fld>
             <a:endParaRPr lang="en-GB"/>
           </a:p>
@@ -2888,7 +2900,7 @@
           <a:p>
             <a:fld id="{848EBE76-AFC5-4753-BCE5-03D4F0DE2F73}" type="datetimeFigureOut">
               <a:rPr lang="en-GB" smtClean="0"/>
-              <a:t>24/10/2017</a:t>
+              <a:t>31/10/2017</a:t>
             </a:fld>
             <a:endParaRPr lang="en-GB"/>
           </a:p>
@@ -3063,7 +3075,7 @@
           <a:p>
             <a:fld id="{848EBE76-AFC5-4753-BCE5-03D4F0DE2F73}" type="datetimeFigureOut">
               <a:rPr lang="en-GB" smtClean="0"/>
-              <a:t>24/10/2017</a:t>
+              <a:t>31/10/2017</a:t>
             </a:fld>
             <a:endParaRPr lang="en-GB"/>
           </a:p>
@@ -3286,7 +3298,7 @@
           <a:p>
             <a:fld id="{848EBE76-AFC5-4753-BCE5-03D4F0DE2F73}" type="datetimeFigureOut">
               <a:rPr lang="en-GB" smtClean="0"/>
-              <a:t>24/10/2017</a:t>
+              <a:t>31/10/2017</a:t>
             </a:fld>
             <a:endParaRPr lang="en-GB"/>
           </a:p>
@@ -3471,7 +3483,7 @@
           <a:p>
             <a:fld id="{848EBE76-AFC5-4753-BCE5-03D4F0DE2F73}" type="datetimeFigureOut">
               <a:rPr lang="en-GB" smtClean="0"/>
-              <a:t>24/10/2017</a:t>
+              <a:t>31/10/2017</a:t>
             </a:fld>
             <a:endParaRPr lang="en-GB"/>
           </a:p>
@@ -3760,7 +3772,7 @@
           <a:p>
             <a:fld id="{848EBE76-AFC5-4753-BCE5-03D4F0DE2F73}" type="datetimeFigureOut">
               <a:rPr lang="en-GB" smtClean="0"/>
-              <a:t>24/10/2017</a:t>
+              <a:t>31/10/2017</a:t>
             </a:fld>
             <a:endParaRPr lang="en-GB"/>
           </a:p>
@@ -4007,7 +4019,7 @@
           <a:p>
             <a:fld id="{848EBE76-AFC5-4753-BCE5-03D4F0DE2F73}" type="datetimeFigureOut">
               <a:rPr lang="en-GB" smtClean="0"/>
-              <a:t>24/10/2017</a:t>
+              <a:t>31/10/2017</a:t>
             </a:fld>
             <a:endParaRPr lang="en-GB"/>
           </a:p>
@@ -4386,7 +4398,7 @@
           <a:p>
             <a:fld id="{848EBE76-AFC5-4753-BCE5-03D4F0DE2F73}" type="datetimeFigureOut">
               <a:rPr lang="en-GB" smtClean="0"/>
-              <a:t>24/10/2017</a:t>
+              <a:t>31/10/2017</a:t>
             </a:fld>
             <a:endParaRPr lang="en-GB"/>
           </a:p>
@@ -4504,7 +4516,7 @@
           <a:p>
             <a:fld id="{848EBE76-AFC5-4753-BCE5-03D4F0DE2F73}" type="datetimeFigureOut">
               <a:rPr lang="en-GB" smtClean="0"/>
-              <a:t>24/10/2017</a:t>
+              <a:t>31/10/2017</a:t>
             </a:fld>
             <a:endParaRPr lang="en-GB"/>
           </a:p>
@@ -4599,7 +4611,7 @@
           <a:p>
             <a:fld id="{848EBE76-AFC5-4753-BCE5-03D4F0DE2F73}" type="datetimeFigureOut">
               <a:rPr lang="en-GB" smtClean="0"/>
-              <a:t>24/10/2017</a:t>
+              <a:t>31/10/2017</a:t>
             </a:fld>
             <a:endParaRPr lang="en-GB"/>
           </a:p>
@@ -4853,7 +4865,7 @@
           <a:p>
             <a:fld id="{848EBE76-AFC5-4753-BCE5-03D4F0DE2F73}" type="datetimeFigureOut">
               <a:rPr lang="en-GB" smtClean="0"/>
-              <a:t>24/10/2017</a:t>
+              <a:t>31/10/2017</a:t>
             </a:fld>
             <a:endParaRPr lang="en-GB"/>
           </a:p>
@@ -5115,7 +5127,7 @@
           <a:p>
             <a:fld id="{848EBE76-AFC5-4753-BCE5-03D4F0DE2F73}" type="datetimeFigureOut">
               <a:rPr lang="en-GB" smtClean="0"/>
-              <a:t>24/10/2017</a:t>
+              <a:t>31/10/2017</a:t>
             </a:fld>
             <a:endParaRPr lang="en-GB"/>
           </a:p>
@@ -5358,7 +5370,7 @@
           <a:p>
             <a:fld id="{848EBE76-AFC5-4753-BCE5-03D4F0DE2F73}" type="datetimeFigureOut">
               <a:rPr lang="en-GB" smtClean="0"/>
-              <a:t>24/10/2017</a:t>
+              <a:t>31/10/2017</a:t>
             </a:fld>
             <a:endParaRPr lang="en-GB"/>
           </a:p>
@@ -5893,6 +5905,244 @@
 </p:sld>
 </file>
 
+<file path=ppt/slides/slide10.xml><?xml version="1.0" encoding="utf-8"?>
+<p:sld xmlns:a="http://schemas.openxmlformats.org/drawingml/2006/main" xmlns:r="http://schemas.openxmlformats.org/officeDocument/2006/relationships" xmlns:p="http://schemas.openxmlformats.org/presentationml/2006/main">
+  <p:cSld>
+    <p:spTree>
+      <p:nvGrpSpPr>
+        <p:cNvPr id="1" name=""/>
+        <p:cNvGrpSpPr/>
+        <p:nvPr/>
+      </p:nvGrpSpPr>
+      <p:grpSpPr>
+        <a:xfrm>
+          <a:off x="0" y="0"/>
+          <a:ext cx="0" cy="0"/>
+          <a:chOff x="0" y="0"/>
+          <a:chExt cx="0" cy="0"/>
+        </a:xfrm>
+      </p:grpSpPr>
+      <p:sp>
+        <p:nvSpPr>
+          <p:cNvPr id="2" name="Title 1"/>
+          <p:cNvSpPr>
+            <a:spLocks noGrp="1"/>
+          </p:cNvSpPr>
+          <p:nvPr>
+            <p:ph type="title"/>
+          </p:nvPr>
+        </p:nvSpPr>
+        <p:spPr/>
+        <p:txBody>
+          <a:bodyPr/>
+          <a:lstStyle/>
+          <a:p>
+            <a:pPr algn="ctr"/>
+            <a:r>
+              <a:rPr lang="en-GB" dirty="0" smtClean="0"/>
+              <a:t>Concept ideas</a:t>
+            </a:r>
+            <a:endParaRPr lang="en-GB" dirty="0"/>
+          </a:p>
+        </p:txBody>
+      </p:sp>
+      <p:sp>
+        <p:nvSpPr>
+          <p:cNvPr id="3" name="Content Placeholder 2"/>
+          <p:cNvSpPr>
+            <a:spLocks noGrp="1"/>
+          </p:cNvSpPr>
+          <p:nvPr>
+            <p:ph sz="half" idx="1"/>
+          </p:nvPr>
+        </p:nvSpPr>
+        <p:spPr/>
+        <p:txBody>
+          <a:bodyPr/>
+          <a:lstStyle/>
+          <a:p>
+            <a:endParaRPr lang="en-GB"/>
+          </a:p>
+        </p:txBody>
+      </p:sp>
+      <p:sp>
+        <p:nvSpPr>
+          <p:cNvPr id="4" name="Content Placeholder 3"/>
+          <p:cNvSpPr>
+            <a:spLocks noGrp="1"/>
+          </p:cNvSpPr>
+          <p:nvPr>
+            <p:ph sz="half" idx="2"/>
+          </p:nvPr>
+        </p:nvSpPr>
+        <p:spPr/>
+        <p:txBody>
+          <a:bodyPr/>
+          <a:lstStyle/>
+          <a:p>
+            <a:endParaRPr lang="en-GB"/>
+          </a:p>
+        </p:txBody>
+      </p:sp>
+    </p:spTree>
+    <p:extLst>
+      <p:ext uri="{BB962C8B-B14F-4D97-AF65-F5344CB8AC3E}">
+        <p14:creationId xmlns:p14="http://schemas.microsoft.com/office/powerpoint/2010/main" val="1566659768"/>
+      </p:ext>
+    </p:extLst>
+  </p:cSld>
+  <p:clrMapOvr>
+    <a:masterClrMapping/>
+  </p:clrMapOvr>
+</p:sld>
+</file>
+
+<file path=ppt/slides/slide11.xml><?xml version="1.0" encoding="utf-8"?>
+<p:sld xmlns:a="http://schemas.openxmlformats.org/drawingml/2006/main" xmlns:r="http://schemas.openxmlformats.org/officeDocument/2006/relationships" xmlns:p="http://schemas.openxmlformats.org/presentationml/2006/main">
+  <p:cSld>
+    <p:spTree>
+      <p:nvGrpSpPr>
+        <p:cNvPr id="1" name=""/>
+        <p:cNvGrpSpPr/>
+        <p:nvPr/>
+      </p:nvGrpSpPr>
+      <p:grpSpPr>
+        <a:xfrm>
+          <a:off x="0" y="0"/>
+          <a:ext cx="0" cy="0"/>
+          <a:chOff x="0" y="0"/>
+          <a:chExt cx="0" cy="0"/>
+        </a:xfrm>
+      </p:grpSpPr>
+      <p:sp>
+        <p:nvSpPr>
+          <p:cNvPr id="2" name="Title 1"/>
+          <p:cNvSpPr>
+            <a:spLocks noGrp="1"/>
+          </p:cNvSpPr>
+          <p:nvPr>
+            <p:ph type="title"/>
+          </p:nvPr>
+        </p:nvSpPr>
+        <p:spPr/>
+        <p:txBody>
+          <a:bodyPr/>
+          <a:lstStyle/>
+          <a:p>
+            <a:pPr algn="ctr"/>
+            <a:r>
+              <a:rPr lang="en-GB" dirty="0" smtClean="0"/>
+              <a:t>Music</a:t>
+            </a:r>
+            <a:endParaRPr lang="en-GB" dirty="0"/>
+          </a:p>
+        </p:txBody>
+      </p:sp>
+      <p:sp>
+        <p:nvSpPr>
+          <p:cNvPr id="3" name="Content Placeholder 2"/>
+          <p:cNvSpPr>
+            <a:spLocks noGrp="1"/>
+          </p:cNvSpPr>
+          <p:nvPr>
+            <p:ph sz="half" idx="1"/>
+          </p:nvPr>
+        </p:nvSpPr>
+        <p:spPr/>
+        <p:txBody>
+          <a:bodyPr/>
+          <a:lstStyle/>
+          <a:p>
+            <a:endParaRPr lang="en-GB"/>
+          </a:p>
+        </p:txBody>
+      </p:sp>
+      <p:sp>
+        <p:nvSpPr>
+          <p:cNvPr id="4" name="Content Placeholder 3"/>
+          <p:cNvSpPr>
+            <a:spLocks noGrp="1"/>
+          </p:cNvSpPr>
+          <p:nvPr>
+            <p:ph sz="half" idx="2"/>
+          </p:nvPr>
+        </p:nvSpPr>
+        <p:spPr/>
+        <p:txBody>
+          <a:bodyPr/>
+          <a:lstStyle/>
+          <a:p>
+            <a:endParaRPr lang="en-GB"/>
+          </a:p>
+        </p:txBody>
+      </p:sp>
+    </p:spTree>
+    <p:extLst>
+      <p:ext uri="{BB962C8B-B14F-4D97-AF65-F5344CB8AC3E}">
+        <p14:creationId xmlns:p14="http://schemas.microsoft.com/office/powerpoint/2010/main" val="4090937684"/>
+      </p:ext>
+    </p:extLst>
+  </p:cSld>
+  <p:clrMapOvr>
+    <a:masterClrMapping/>
+  </p:clrMapOvr>
+</p:sld>
+</file>
+
+<file path=ppt/slides/slide12.xml><?xml version="1.0" encoding="utf-8"?>
+<p:sld xmlns:a="http://schemas.openxmlformats.org/drawingml/2006/main" xmlns:r="http://schemas.openxmlformats.org/officeDocument/2006/relationships" xmlns:p="http://schemas.openxmlformats.org/presentationml/2006/main">
+  <p:cSld>
+    <p:spTree>
+      <p:nvGrpSpPr>
+        <p:cNvPr id="1" name=""/>
+        <p:cNvGrpSpPr/>
+        <p:nvPr/>
+      </p:nvGrpSpPr>
+      <p:grpSpPr>
+        <a:xfrm>
+          <a:off x="0" y="0"/>
+          <a:ext cx="0" cy="0"/>
+          <a:chOff x="0" y="0"/>
+          <a:chExt cx="0" cy="0"/>
+        </a:xfrm>
+      </p:grpSpPr>
+      <p:sp>
+        <p:nvSpPr>
+          <p:cNvPr id="2" name="Title 1"/>
+          <p:cNvSpPr>
+            <a:spLocks noGrp="1"/>
+          </p:cNvSpPr>
+          <p:nvPr>
+            <p:ph type="title"/>
+          </p:nvPr>
+        </p:nvSpPr>
+        <p:spPr/>
+        <p:txBody>
+          <a:bodyPr/>
+          <a:lstStyle/>
+          <a:p>
+            <a:pPr algn="ctr"/>
+            <a:r>
+              <a:rPr lang="en-GB" dirty="0" smtClean="0"/>
+              <a:t>The Demo</a:t>
+            </a:r>
+            <a:endParaRPr lang="en-GB" dirty="0"/>
+          </a:p>
+        </p:txBody>
+      </p:sp>
+    </p:spTree>
+    <p:extLst>
+      <p:ext uri="{BB962C8B-B14F-4D97-AF65-F5344CB8AC3E}">
+        <p14:creationId xmlns:p14="http://schemas.microsoft.com/office/powerpoint/2010/main" val="2904547363"/>
+      </p:ext>
+    </p:extLst>
+  </p:cSld>
+  <p:clrMapOvr>
+    <a:masterClrMapping/>
+  </p:clrMapOvr>
+</p:sld>
+</file>
+
 <file path=ppt/slides/slide2.xml><?xml version="1.0" encoding="utf-8"?>
 <p:sld xmlns:a="http://schemas.openxmlformats.org/drawingml/2006/main" xmlns:r="http://schemas.openxmlformats.org/officeDocument/2006/relationships" xmlns:p="http://schemas.openxmlformats.org/presentationml/2006/main">
   <p:cSld>
@@ -6062,7 +6312,12 @@
           <a:bodyPr/>
           <a:lstStyle/>
           <a:p>
-            <a:endParaRPr lang="en-GB"/>
+            <a:pPr algn="ctr"/>
+            <a:r>
+              <a:rPr lang="en-GB" dirty="0" smtClean="0"/>
+              <a:t>About the game</a:t>
+            </a:r>
+            <a:endParaRPr lang="en-GB" dirty="0"/>
           </a:p>
         </p:txBody>
       </p:sp>
@@ -6111,6 +6366,61 @@
           <a:bodyPr/>
           <a:lstStyle/>
           <a:p>
+            <a:pPr algn="ctr"/>
+            <a:r>
+              <a:rPr lang="en-GB" dirty="0" smtClean="0"/>
+              <a:t>The Main Character</a:t>
+            </a:r>
+            <a:endParaRPr lang="en-GB" dirty="0"/>
+          </a:p>
+        </p:txBody>
+      </p:sp>
+      <p:sp>
+        <p:nvSpPr>
+          <p:cNvPr id="7" name="Content Placeholder 6"/>
+          <p:cNvSpPr>
+            <a:spLocks noGrp="1"/>
+          </p:cNvSpPr>
+          <p:nvPr>
+            <p:ph sz="half" idx="1"/>
+          </p:nvPr>
+        </p:nvSpPr>
+        <p:spPr/>
+        <p:txBody>
+          <a:bodyPr/>
+          <a:lstStyle/>
+          <a:p>
+            <a:r>
+              <a:rPr lang="en-GB" dirty="0" smtClean="0"/>
+              <a:t>Name:</a:t>
+            </a:r>
+          </a:p>
+          <a:p>
+            <a:r>
+              <a:rPr lang="en-GB" dirty="0" smtClean="0"/>
+              <a:t>Age:</a:t>
+            </a:r>
+          </a:p>
+          <a:p>
+            <a:endParaRPr lang="en-GB" dirty="0"/>
+          </a:p>
+        </p:txBody>
+      </p:sp>
+      <p:sp>
+        <p:nvSpPr>
+          <p:cNvPr id="8" name="Content Placeholder 7"/>
+          <p:cNvSpPr>
+            <a:spLocks noGrp="1"/>
+          </p:cNvSpPr>
+          <p:nvPr>
+            <p:ph sz="half" idx="2"/>
+          </p:nvPr>
+        </p:nvSpPr>
+        <p:spPr/>
+        <p:txBody>
+          <a:bodyPr/>
+          <a:lstStyle/>
+          <a:p>
             <a:endParaRPr lang="en-GB"/>
           </a:p>
         </p:txBody>
@@ -6160,6 +6470,49 @@
           <a:bodyPr/>
           <a:lstStyle/>
           <a:p>
+            <a:pPr algn="ctr"/>
+            <a:r>
+              <a:rPr lang="en-GB" dirty="0" smtClean="0"/>
+              <a:t>Concept art of the main character</a:t>
+            </a:r>
+            <a:endParaRPr lang="en-GB" dirty="0"/>
+          </a:p>
+        </p:txBody>
+      </p:sp>
+      <p:sp>
+        <p:nvSpPr>
+          <p:cNvPr id="3" name="Content Placeholder 2"/>
+          <p:cNvSpPr>
+            <a:spLocks noGrp="1"/>
+          </p:cNvSpPr>
+          <p:nvPr>
+            <p:ph sz="half" idx="1"/>
+          </p:nvPr>
+        </p:nvSpPr>
+        <p:spPr/>
+        <p:txBody>
+          <a:bodyPr/>
+          <a:lstStyle/>
+          <a:p>
+            <a:endParaRPr lang="en-GB"/>
+          </a:p>
+        </p:txBody>
+      </p:sp>
+      <p:sp>
+        <p:nvSpPr>
+          <p:cNvPr id="4" name="Content Placeholder 3"/>
+          <p:cNvSpPr>
+            <a:spLocks noGrp="1"/>
+          </p:cNvSpPr>
+          <p:nvPr>
+            <p:ph sz="half" idx="2"/>
+          </p:nvPr>
+        </p:nvSpPr>
+        <p:spPr/>
+        <p:txBody>
+          <a:bodyPr/>
+          <a:lstStyle/>
+          <a:p>
             <a:endParaRPr lang="en-GB"/>
           </a:p>
         </p:txBody>
@@ -6167,7 +6520,375 @@
     </p:spTree>
     <p:extLst>
       <p:ext uri="{BB962C8B-B14F-4D97-AF65-F5344CB8AC3E}">
-        <p14:creationId xmlns:p14="http://schemas.microsoft.com/office/powerpoint/2010/main" val="2904547363"/>
+        <p14:creationId xmlns:p14="http://schemas.microsoft.com/office/powerpoint/2010/main" val="4239239236"/>
+      </p:ext>
+    </p:extLst>
+  </p:cSld>
+  <p:clrMapOvr>
+    <a:masterClrMapping/>
+  </p:clrMapOvr>
+</p:sld>
+</file>
+
+<file path=ppt/slides/slide6.xml><?xml version="1.0" encoding="utf-8"?>
+<p:sld xmlns:a="http://schemas.openxmlformats.org/drawingml/2006/main" xmlns:r="http://schemas.openxmlformats.org/officeDocument/2006/relationships" xmlns:p="http://schemas.openxmlformats.org/presentationml/2006/main">
+  <p:cSld>
+    <p:spTree>
+      <p:nvGrpSpPr>
+        <p:cNvPr id="1" name=""/>
+        <p:cNvGrpSpPr/>
+        <p:nvPr/>
+      </p:nvGrpSpPr>
+      <p:grpSpPr>
+        <a:xfrm>
+          <a:off x="0" y="0"/>
+          <a:ext cx="0" cy="0"/>
+          <a:chOff x="0" y="0"/>
+          <a:chExt cx="0" cy="0"/>
+        </a:xfrm>
+      </p:grpSpPr>
+      <p:sp>
+        <p:nvSpPr>
+          <p:cNvPr id="2" name="Title 1"/>
+          <p:cNvSpPr>
+            <a:spLocks noGrp="1"/>
+          </p:cNvSpPr>
+          <p:nvPr>
+            <p:ph type="title"/>
+          </p:nvPr>
+        </p:nvSpPr>
+        <p:spPr/>
+        <p:txBody>
+          <a:bodyPr/>
+          <a:lstStyle/>
+          <a:p>
+            <a:pPr algn="ctr"/>
+            <a:r>
+              <a:rPr lang="en-GB" dirty="0" smtClean="0"/>
+              <a:t>Concept behind the character</a:t>
+            </a:r>
+            <a:endParaRPr lang="en-GB" dirty="0"/>
+          </a:p>
+        </p:txBody>
+      </p:sp>
+      <p:sp>
+        <p:nvSpPr>
+          <p:cNvPr id="3" name="Content Placeholder 2"/>
+          <p:cNvSpPr>
+            <a:spLocks noGrp="1"/>
+          </p:cNvSpPr>
+          <p:nvPr>
+            <p:ph sz="half" idx="1"/>
+          </p:nvPr>
+        </p:nvSpPr>
+        <p:spPr/>
+        <p:txBody>
+          <a:bodyPr/>
+          <a:lstStyle/>
+          <a:p>
+            <a:endParaRPr lang="en-GB"/>
+          </a:p>
+        </p:txBody>
+      </p:sp>
+      <p:sp>
+        <p:nvSpPr>
+          <p:cNvPr id="4" name="Content Placeholder 3"/>
+          <p:cNvSpPr>
+            <a:spLocks noGrp="1"/>
+          </p:cNvSpPr>
+          <p:nvPr>
+            <p:ph sz="half" idx="2"/>
+          </p:nvPr>
+        </p:nvSpPr>
+        <p:spPr/>
+        <p:txBody>
+          <a:bodyPr/>
+          <a:lstStyle/>
+          <a:p>
+            <a:endParaRPr lang="en-GB"/>
+          </a:p>
+        </p:txBody>
+      </p:sp>
+    </p:spTree>
+    <p:extLst>
+      <p:ext uri="{BB962C8B-B14F-4D97-AF65-F5344CB8AC3E}">
+        <p14:creationId xmlns:p14="http://schemas.microsoft.com/office/powerpoint/2010/main" val="2529519489"/>
+      </p:ext>
+    </p:extLst>
+  </p:cSld>
+  <p:clrMapOvr>
+    <a:masterClrMapping/>
+  </p:clrMapOvr>
+</p:sld>
+</file>
+
+<file path=ppt/slides/slide7.xml><?xml version="1.0" encoding="utf-8"?>
+<p:sld xmlns:a="http://schemas.openxmlformats.org/drawingml/2006/main" xmlns:r="http://schemas.openxmlformats.org/officeDocument/2006/relationships" xmlns:p="http://schemas.openxmlformats.org/presentationml/2006/main">
+  <p:cSld>
+    <p:spTree>
+      <p:nvGrpSpPr>
+        <p:cNvPr id="1" name=""/>
+        <p:cNvGrpSpPr/>
+        <p:nvPr/>
+      </p:nvGrpSpPr>
+      <p:grpSpPr>
+        <a:xfrm>
+          <a:off x="0" y="0"/>
+          <a:ext cx="0" cy="0"/>
+          <a:chOff x="0" y="0"/>
+          <a:chExt cx="0" cy="0"/>
+        </a:xfrm>
+      </p:grpSpPr>
+      <p:sp>
+        <p:nvSpPr>
+          <p:cNvPr id="2" name="Title 1"/>
+          <p:cNvSpPr>
+            <a:spLocks noGrp="1"/>
+          </p:cNvSpPr>
+          <p:nvPr>
+            <p:ph type="title"/>
+          </p:nvPr>
+        </p:nvSpPr>
+        <p:spPr/>
+        <p:txBody>
+          <a:bodyPr/>
+          <a:lstStyle/>
+          <a:p>
+            <a:pPr algn="ctr"/>
+            <a:r>
+              <a:rPr lang="en-GB" dirty="0" smtClean="0"/>
+              <a:t>Side Characters</a:t>
+            </a:r>
+            <a:endParaRPr lang="en-GB" dirty="0"/>
+          </a:p>
+        </p:txBody>
+      </p:sp>
+      <p:sp>
+        <p:nvSpPr>
+          <p:cNvPr id="3" name="Content Placeholder 2"/>
+          <p:cNvSpPr>
+            <a:spLocks noGrp="1"/>
+          </p:cNvSpPr>
+          <p:nvPr>
+            <p:ph sz="half" idx="1"/>
+          </p:nvPr>
+        </p:nvSpPr>
+        <p:spPr/>
+        <p:txBody>
+          <a:bodyPr/>
+          <a:lstStyle/>
+          <a:p>
+            <a:endParaRPr lang="en-GB"/>
+          </a:p>
+        </p:txBody>
+      </p:sp>
+      <p:sp>
+        <p:nvSpPr>
+          <p:cNvPr id="4" name="Content Placeholder 3"/>
+          <p:cNvSpPr>
+            <a:spLocks noGrp="1"/>
+          </p:cNvSpPr>
+          <p:nvPr>
+            <p:ph sz="half" idx="2"/>
+          </p:nvPr>
+        </p:nvSpPr>
+        <p:spPr/>
+        <p:txBody>
+          <a:bodyPr/>
+          <a:lstStyle/>
+          <a:p>
+            <a:endParaRPr lang="en-GB"/>
+          </a:p>
+        </p:txBody>
+      </p:sp>
+    </p:spTree>
+    <p:extLst>
+      <p:ext uri="{BB962C8B-B14F-4D97-AF65-F5344CB8AC3E}">
+        <p14:creationId xmlns:p14="http://schemas.microsoft.com/office/powerpoint/2010/main" val="2014805334"/>
+      </p:ext>
+    </p:extLst>
+  </p:cSld>
+  <p:clrMapOvr>
+    <a:masterClrMapping/>
+  </p:clrMapOvr>
+</p:sld>
+</file>
+
+<file path=ppt/slides/slide8.xml><?xml version="1.0" encoding="utf-8"?>
+<p:sld xmlns:a="http://schemas.openxmlformats.org/drawingml/2006/main" xmlns:r="http://schemas.openxmlformats.org/officeDocument/2006/relationships" xmlns:p="http://schemas.openxmlformats.org/presentationml/2006/main">
+  <p:cSld>
+    <p:spTree>
+      <p:nvGrpSpPr>
+        <p:cNvPr id="1" name=""/>
+        <p:cNvGrpSpPr/>
+        <p:nvPr/>
+      </p:nvGrpSpPr>
+      <p:grpSpPr>
+        <a:xfrm>
+          <a:off x="0" y="0"/>
+          <a:ext cx="0" cy="0"/>
+          <a:chOff x="0" y="0"/>
+          <a:chExt cx="0" cy="0"/>
+        </a:xfrm>
+      </p:grpSpPr>
+      <p:sp>
+        <p:nvSpPr>
+          <p:cNvPr id="2" name="Title 1"/>
+          <p:cNvSpPr>
+            <a:spLocks noGrp="1"/>
+          </p:cNvSpPr>
+          <p:nvPr>
+            <p:ph type="title"/>
+          </p:nvPr>
+        </p:nvSpPr>
+        <p:spPr/>
+        <p:txBody>
+          <a:bodyPr/>
+          <a:lstStyle/>
+          <a:p>
+            <a:pPr algn="ctr"/>
+            <a:r>
+              <a:rPr lang="en-GB" dirty="0" smtClean="0"/>
+              <a:t>The Environment</a:t>
+            </a:r>
+            <a:endParaRPr lang="en-GB" dirty="0"/>
+          </a:p>
+        </p:txBody>
+      </p:sp>
+      <p:sp>
+        <p:nvSpPr>
+          <p:cNvPr id="3" name="Content Placeholder 2"/>
+          <p:cNvSpPr>
+            <a:spLocks noGrp="1"/>
+          </p:cNvSpPr>
+          <p:nvPr>
+            <p:ph sz="half" idx="1"/>
+          </p:nvPr>
+        </p:nvSpPr>
+        <p:spPr/>
+        <p:txBody>
+          <a:bodyPr/>
+          <a:lstStyle/>
+          <a:p>
+            <a:endParaRPr lang="en-GB"/>
+          </a:p>
+        </p:txBody>
+      </p:sp>
+      <p:sp>
+        <p:nvSpPr>
+          <p:cNvPr id="4" name="Content Placeholder 3"/>
+          <p:cNvSpPr>
+            <a:spLocks noGrp="1"/>
+          </p:cNvSpPr>
+          <p:nvPr>
+            <p:ph sz="half" idx="2"/>
+          </p:nvPr>
+        </p:nvSpPr>
+        <p:spPr/>
+        <p:txBody>
+          <a:bodyPr/>
+          <a:lstStyle/>
+          <a:p>
+            <a:endParaRPr lang="en-GB"/>
+          </a:p>
+        </p:txBody>
+      </p:sp>
+    </p:spTree>
+    <p:extLst>
+      <p:ext uri="{BB962C8B-B14F-4D97-AF65-F5344CB8AC3E}">
+        <p14:creationId xmlns:p14="http://schemas.microsoft.com/office/powerpoint/2010/main" val="3931042100"/>
+      </p:ext>
+    </p:extLst>
+  </p:cSld>
+  <p:clrMapOvr>
+    <a:masterClrMapping/>
+  </p:clrMapOvr>
+</p:sld>
+</file>
+
+<file path=ppt/slides/slide9.xml><?xml version="1.0" encoding="utf-8"?>
+<p:sld xmlns:a="http://schemas.openxmlformats.org/drawingml/2006/main" xmlns:r="http://schemas.openxmlformats.org/officeDocument/2006/relationships" xmlns:p="http://schemas.openxmlformats.org/presentationml/2006/main">
+  <p:cSld>
+    <p:spTree>
+      <p:nvGrpSpPr>
+        <p:cNvPr id="1" name=""/>
+        <p:cNvGrpSpPr/>
+        <p:nvPr/>
+      </p:nvGrpSpPr>
+      <p:grpSpPr>
+        <a:xfrm>
+          <a:off x="0" y="0"/>
+          <a:ext cx="0" cy="0"/>
+          <a:chOff x="0" y="0"/>
+          <a:chExt cx="0" cy="0"/>
+        </a:xfrm>
+      </p:grpSpPr>
+      <p:sp>
+        <p:nvSpPr>
+          <p:cNvPr id="2" name="Title 1"/>
+          <p:cNvSpPr>
+            <a:spLocks noGrp="1"/>
+          </p:cNvSpPr>
+          <p:nvPr>
+            <p:ph type="title"/>
+          </p:nvPr>
+        </p:nvSpPr>
+        <p:spPr/>
+        <p:txBody>
+          <a:bodyPr/>
+          <a:lstStyle/>
+          <a:p>
+            <a:pPr algn="ctr"/>
+            <a:r>
+              <a:rPr lang="en-GB" dirty="0" smtClean="0"/>
+              <a:t>Art concepts</a:t>
+            </a:r>
+            <a:endParaRPr lang="en-GB" dirty="0"/>
+          </a:p>
+        </p:txBody>
+      </p:sp>
+      <p:sp>
+        <p:nvSpPr>
+          <p:cNvPr id="3" name="Content Placeholder 2"/>
+          <p:cNvSpPr>
+            <a:spLocks noGrp="1"/>
+          </p:cNvSpPr>
+          <p:nvPr>
+            <p:ph sz="half" idx="1"/>
+          </p:nvPr>
+        </p:nvSpPr>
+        <p:spPr/>
+        <p:txBody>
+          <a:bodyPr/>
+          <a:lstStyle/>
+          <a:p>
+            <a:endParaRPr lang="en-GB"/>
+          </a:p>
+        </p:txBody>
+      </p:sp>
+      <p:sp>
+        <p:nvSpPr>
+          <p:cNvPr id="4" name="Content Placeholder 3"/>
+          <p:cNvSpPr>
+            <a:spLocks noGrp="1"/>
+          </p:cNvSpPr>
+          <p:nvPr>
+            <p:ph sz="half" idx="2"/>
+          </p:nvPr>
+        </p:nvSpPr>
+        <p:spPr/>
+        <p:txBody>
+          <a:bodyPr/>
+          <a:lstStyle/>
+          <a:p>
+            <a:endParaRPr lang="en-GB"/>
+          </a:p>
+        </p:txBody>
+      </p:sp>
+    </p:spTree>
+    <p:extLst>
+      <p:ext uri="{BB962C8B-B14F-4D97-AF65-F5344CB8AC3E}">
+        <p14:creationId xmlns:p14="http://schemas.microsoft.com/office/powerpoint/2010/main" val="528700372"/>
       </p:ext>
     </p:extLst>
   </p:cSld>
